--- a/docs/songs_2022-11-20.pptx
+++ b/docs/songs_2022-11-20.pptx
@@ -3550,20 +3550,25 @@
               <a:t>Ya</a:t>
             </a:r>
             <a:br>
-              <a:rPr lang="en-GB" sz="5200" dirty="0">
+              <a:rPr lang="en-GB" sz="5200">
                 <a:solidFill>
                   <a:schemeClr val="bg1"/>
                 </a:solidFill>
               </a:rPr>
             </a:br>
             <a:r>
-              <a:rPr lang="en-GB" dirty="0">
-                <a:solidFill>
-                  <a:schemeClr val="bg1"/>
-                </a:solidFill>
-              </a:rPr>
-              <a:t>13-11-2022</a:t>
-            </a:r>
+              <a:rPr lang="en-GB">
+                <a:solidFill>
+                  <a:schemeClr val="bg1"/>
+                </a:solidFill>
+              </a:rPr>
+              <a:t>20-11-2022</a:t>
+            </a:r>
+            <a:endParaRPr lang="en-GB" dirty="0">
+              <a:solidFill>
+                <a:schemeClr val="bg1"/>
+              </a:solidFill>
+            </a:endParaRPr>
           </a:p>
         </p:txBody>
       </p:sp>
